--- a/figures/k_thinning_swap.pptx
+++ b/figures/k_thinning_swap.pptx
@@ -8372,409 +8372,1032 @@
           </p:txBody>
         </p:sp>
       </p:grpSp>
-      <p:sp>
-        <p:nvSpPr>
-          <p:cNvPr id="7" name="TextBox 6">
-            <a:extLst>
-              <a:ext uri="{FF2B5EF4-FFF2-40B4-BE49-F238E27FC236}">
-                <a16:creationId xmlns:a16="http://schemas.microsoft.com/office/drawing/2014/main" id="{8E7ECB17-6B3A-FDB4-0869-CDA3A01B2D11}"/>
-              </a:ext>
-            </a:extLst>
-          </p:cNvPr>
-          <p:cNvSpPr txBox="1"/>
-          <p:nvPr/>
-        </p:nvSpPr>
-        <p:spPr>
-          <a:xfrm>
-            <a:off x="337402" y="3743932"/>
-            <a:ext cx="756000" cy="338554"/>
-          </a:xfrm>
-          <a:prstGeom prst="rect">
-            <a:avLst/>
-          </a:prstGeom>
-          <a:noFill/>
-        </p:spPr>
-        <p:txBody>
-          <a:bodyPr wrap="square" rtlCol="0">
-            <a:spAutoFit/>
-          </a:bodyPr>
-          <a:lstStyle/>
-          <a:p>
-            <a:pPr algn="ctr"/>
-            <a:r>
-              <a:rPr lang="en-GB" sz="1600" b="1" dirty="0"/>
-              <a:t>h</a:t>
-            </a:r>
-            <a:r>
-              <a:rPr lang="en-GB" sz="2000" b="1" baseline="30000" dirty="0"/>
-              <a:t>f</a:t>
-            </a:r>
-            <a:r>
-              <a:rPr lang="en-GB" sz="1600" b="1" dirty="0"/>
-              <a:t>(v,3)</a:t>
-            </a:r>
-          </a:p>
-        </p:txBody>
-      </p:sp>
-      <p:sp>
-        <p:nvSpPr>
-          <p:cNvPr id="234" name="TextBox 233">
-            <a:extLst>
-              <a:ext uri="{FF2B5EF4-FFF2-40B4-BE49-F238E27FC236}">
-                <a16:creationId xmlns:a16="http://schemas.microsoft.com/office/drawing/2014/main" id="{313A06EA-565B-6B90-126E-B9CC81A71BEA}"/>
-              </a:ext>
-            </a:extLst>
-          </p:cNvPr>
-          <p:cNvSpPr txBox="1"/>
-          <p:nvPr/>
-        </p:nvSpPr>
-        <p:spPr>
-          <a:xfrm>
-            <a:off x="1010232" y="3743932"/>
-            <a:ext cx="756000" cy="338554"/>
-          </a:xfrm>
-          <a:prstGeom prst="rect">
-            <a:avLst/>
-          </a:prstGeom>
-          <a:noFill/>
-        </p:spPr>
-        <p:txBody>
-          <a:bodyPr wrap="square" rtlCol="0">
-            <a:spAutoFit/>
-          </a:bodyPr>
-          <a:lstStyle/>
-          <a:p>
-            <a:pPr algn="ctr"/>
-            <a:r>
-              <a:rPr lang="en-GB" sz="1600" b="1" dirty="0"/>
-              <a:t>h</a:t>
-            </a:r>
-            <a:r>
-              <a:rPr lang="en-GB" sz="2000" b="1" baseline="30000" dirty="0"/>
-              <a:t>f</a:t>
-            </a:r>
-            <a:r>
-              <a:rPr lang="en-GB" sz="1600" b="1" dirty="0"/>
-              <a:t>(v,1)</a:t>
-            </a:r>
-          </a:p>
-        </p:txBody>
-      </p:sp>
-      <p:sp>
-        <p:nvSpPr>
-          <p:cNvPr id="235" name="TextBox 234">
-            <a:extLst>
-              <a:ext uri="{FF2B5EF4-FFF2-40B4-BE49-F238E27FC236}">
-                <a16:creationId xmlns:a16="http://schemas.microsoft.com/office/drawing/2014/main" id="{99BC3C50-0290-37C2-FD17-E2736DE17021}"/>
-              </a:ext>
-            </a:extLst>
-          </p:cNvPr>
-          <p:cNvSpPr txBox="1"/>
-          <p:nvPr/>
-        </p:nvSpPr>
-        <p:spPr>
-          <a:xfrm>
-            <a:off x="1679663" y="3743932"/>
-            <a:ext cx="756000" cy="338554"/>
-          </a:xfrm>
-          <a:prstGeom prst="rect">
-            <a:avLst/>
-          </a:prstGeom>
-          <a:noFill/>
-        </p:spPr>
-        <p:txBody>
-          <a:bodyPr wrap="square" rtlCol="0">
-            <a:spAutoFit/>
-          </a:bodyPr>
-          <a:lstStyle/>
-          <a:p>
-            <a:pPr algn="ctr"/>
-            <a:r>
-              <a:rPr lang="en-GB" sz="1600" b="1" dirty="0"/>
-              <a:t>h</a:t>
-            </a:r>
-            <a:r>
-              <a:rPr lang="en-GB" sz="2000" b="1" baseline="30000" dirty="0"/>
-              <a:t>f</a:t>
-            </a:r>
-            <a:r>
-              <a:rPr lang="en-GB" sz="1600" b="1" dirty="0"/>
-              <a:t>(v,2)</a:t>
-            </a:r>
-          </a:p>
-        </p:txBody>
-      </p:sp>
-      <p:sp>
-        <p:nvSpPr>
-          <p:cNvPr id="236" name="TextBox 235">
-            <a:extLst>
-              <a:ext uri="{FF2B5EF4-FFF2-40B4-BE49-F238E27FC236}">
-                <a16:creationId xmlns:a16="http://schemas.microsoft.com/office/drawing/2014/main" id="{00F46FE5-3D0A-C1D3-4E9E-3F7604B83EE7}"/>
-              </a:ext>
-            </a:extLst>
-          </p:cNvPr>
-          <p:cNvSpPr txBox="1"/>
-          <p:nvPr/>
-        </p:nvSpPr>
-        <p:spPr>
-          <a:xfrm>
-            <a:off x="3045662" y="3743932"/>
-            <a:ext cx="756000" cy="338554"/>
-          </a:xfrm>
-          <a:prstGeom prst="rect">
-            <a:avLst/>
-          </a:prstGeom>
-          <a:noFill/>
-        </p:spPr>
-        <p:txBody>
-          <a:bodyPr wrap="square" rtlCol="0">
-            <a:spAutoFit/>
-          </a:bodyPr>
-          <a:lstStyle/>
-          <a:p>
-            <a:pPr algn="ctr"/>
-            <a:r>
-              <a:rPr lang="en-GB" sz="1600" b="1" dirty="0"/>
-              <a:t>h</a:t>
-            </a:r>
-            <a:r>
-              <a:rPr lang="en-GB" sz="2000" b="1" baseline="30000" dirty="0"/>
-              <a:t>f</a:t>
-            </a:r>
-            <a:r>
-              <a:rPr lang="en-GB" sz="1600" b="1" dirty="0"/>
-              <a:t>(v,4)</a:t>
-            </a:r>
-          </a:p>
-        </p:txBody>
-      </p:sp>
-      <p:sp>
-        <p:nvSpPr>
-          <p:cNvPr id="238" name="TextBox 237">
-            <a:extLst>
-              <a:ext uri="{FF2B5EF4-FFF2-40B4-BE49-F238E27FC236}">
-                <a16:creationId xmlns:a16="http://schemas.microsoft.com/office/drawing/2014/main" id="{2154C6B2-3556-6A8D-B5B9-AA844CC01C8C}"/>
-              </a:ext>
-            </a:extLst>
-          </p:cNvPr>
-          <p:cNvSpPr txBox="1"/>
-          <p:nvPr/>
-        </p:nvSpPr>
-        <p:spPr>
-          <a:xfrm>
-            <a:off x="6609976" y="3743932"/>
-            <a:ext cx="756000" cy="338400"/>
-          </a:xfrm>
-          <a:prstGeom prst="rect">
-            <a:avLst/>
-          </a:prstGeom>
-          <a:noFill/>
-        </p:spPr>
-        <p:txBody>
-          <a:bodyPr wrap="square" rtlCol="0">
-            <a:spAutoFit/>
-          </a:bodyPr>
-          <a:lstStyle/>
-          <a:p>
-            <a:pPr algn="ctr"/>
-            <a:r>
-              <a:rPr lang="en-GB" sz="1600" b="1" dirty="0"/>
-              <a:t>h</a:t>
-            </a:r>
-            <a:r>
-              <a:rPr lang="en-GB" sz="2000" b="1" baseline="30000" dirty="0"/>
-              <a:t>g</a:t>
-            </a:r>
-            <a:r>
-              <a:rPr lang="en-GB" sz="1600" b="1" dirty="0"/>
-              <a:t>(v,2)</a:t>
-            </a:r>
-          </a:p>
-        </p:txBody>
-      </p:sp>
-      <p:sp>
-        <p:nvSpPr>
-          <p:cNvPr id="239" name="TextBox 238">
-            <a:extLst>
-              <a:ext uri="{FF2B5EF4-FFF2-40B4-BE49-F238E27FC236}">
-                <a16:creationId xmlns:a16="http://schemas.microsoft.com/office/drawing/2014/main" id="{9FEFB1E2-7387-41CE-1B69-D3B5FDEF182F}"/>
-              </a:ext>
-            </a:extLst>
-          </p:cNvPr>
-          <p:cNvSpPr txBox="1"/>
-          <p:nvPr/>
-        </p:nvSpPr>
-        <p:spPr>
-          <a:xfrm>
-            <a:off x="7279371" y="3743932"/>
-            <a:ext cx="756000" cy="338400"/>
-          </a:xfrm>
-          <a:prstGeom prst="rect">
-            <a:avLst/>
-          </a:prstGeom>
-          <a:noFill/>
-        </p:spPr>
-        <p:txBody>
-          <a:bodyPr wrap="square" rtlCol="0">
-            <a:spAutoFit/>
-          </a:bodyPr>
-          <a:lstStyle/>
-          <a:p>
-            <a:pPr algn="ctr">
-              <a:defRPr/>
-            </a:pPr>
-            <a:r>
-              <a:rPr lang="en-GB" sz="1600" b="1" dirty="0">
-                <a:solidFill>
-                  <a:prstClr val="black"/>
-                </a:solidFill>
-                <a:latin typeface="Calibri" panose="020F0502020204030204"/>
-              </a:rPr>
-              <a:t>h</a:t>
-            </a:r>
-            <a:r>
-              <a:rPr lang="en-GB" sz="2000" b="1" baseline="30000" dirty="0">
-                <a:solidFill>
-                  <a:prstClr val="black"/>
-                </a:solidFill>
-                <a:latin typeface="Calibri" panose="020F0502020204030204"/>
-              </a:rPr>
-              <a:t>g</a:t>
-            </a:r>
-            <a:r>
-              <a:rPr lang="en-GB" sz="1600" b="1" dirty="0">
-                <a:solidFill>
-                  <a:prstClr val="black"/>
-                </a:solidFill>
-                <a:latin typeface="Calibri" panose="020F0502020204030204"/>
-              </a:rPr>
-              <a:t>(v,1)</a:t>
-            </a:r>
-          </a:p>
-        </p:txBody>
-      </p:sp>
-      <p:sp>
-        <p:nvSpPr>
-          <p:cNvPr id="240" name="TextBox 239">
-            <a:extLst>
-              <a:ext uri="{FF2B5EF4-FFF2-40B4-BE49-F238E27FC236}">
-                <a16:creationId xmlns:a16="http://schemas.microsoft.com/office/drawing/2014/main" id="{CB32FFBD-8A8C-3094-C30A-77A2E5F00BA8}"/>
-              </a:ext>
-            </a:extLst>
-          </p:cNvPr>
-          <p:cNvSpPr txBox="1"/>
-          <p:nvPr/>
-        </p:nvSpPr>
-        <p:spPr>
-          <a:xfrm>
-            <a:off x="7952237" y="3743932"/>
-            <a:ext cx="756000" cy="338400"/>
-          </a:xfrm>
-          <a:prstGeom prst="rect">
-            <a:avLst/>
-          </a:prstGeom>
-          <a:noFill/>
-        </p:spPr>
-        <p:txBody>
-          <a:bodyPr wrap="square" rtlCol="0">
-            <a:spAutoFit/>
-          </a:bodyPr>
-          <a:lstStyle/>
-          <a:p>
-            <a:pPr algn="ctr">
-              <a:defRPr/>
-            </a:pPr>
-            <a:r>
-              <a:rPr lang="en-GB" sz="1600" b="1" dirty="0">
-                <a:solidFill>
-                  <a:prstClr val="black"/>
-                </a:solidFill>
-                <a:latin typeface="Calibri" panose="020F0502020204030204"/>
-              </a:rPr>
-              <a:t>h</a:t>
-            </a:r>
-            <a:r>
-              <a:rPr lang="en-GB" sz="2000" b="1" baseline="30000" dirty="0">
-                <a:solidFill>
-                  <a:prstClr val="black"/>
-                </a:solidFill>
-                <a:latin typeface="Calibri" panose="020F0502020204030204"/>
-              </a:rPr>
-              <a:t>g</a:t>
-            </a:r>
-            <a:r>
-              <a:rPr lang="en-GB" sz="1600" b="1" dirty="0">
-                <a:solidFill>
-                  <a:prstClr val="black"/>
-                </a:solidFill>
-                <a:latin typeface="Calibri" panose="020F0502020204030204"/>
-              </a:rPr>
-              <a:t>(v,3)</a:t>
-            </a:r>
-          </a:p>
-        </p:txBody>
-      </p:sp>
-      <p:sp>
-        <p:nvSpPr>
-          <p:cNvPr id="241" name="TextBox 240">
-            <a:extLst>
-              <a:ext uri="{FF2B5EF4-FFF2-40B4-BE49-F238E27FC236}">
-                <a16:creationId xmlns:a16="http://schemas.microsoft.com/office/drawing/2014/main" id="{4CB0A7B9-3C61-858B-F551-73FA835D38DE}"/>
-              </a:ext>
-            </a:extLst>
-          </p:cNvPr>
-          <p:cNvSpPr txBox="1"/>
-          <p:nvPr/>
-        </p:nvSpPr>
-        <p:spPr>
-          <a:xfrm>
-            <a:off x="9318236" y="3743932"/>
-            <a:ext cx="756000" cy="338400"/>
-          </a:xfrm>
-          <a:prstGeom prst="rect">
-            <a:avLst/>
-          </a:prstGeom>
-          <a:noFill/>
-        </p:spPr>
-        <p:txBody>
-          <a:bodyPr wrap="square" rtlCol="0">
-            <a:spAutoFit/>
-          </a:bodyPr>
-          <a:lstStyle/>
-          <a:p>
-            <a:pPr algn="ctr">
-              <a:defRPr/>
-            </a:pPr>
-            <a:r>
-              <a:rPr lang="en-GB" sz="1600" b="1" dirty="0">
-                <a:solidFill>
-                  <a:prstClr val="black"/>
-                </a:solidFill>
-                <a:latin typeface="Calibri" panose="020F0502020204030204"/>
-              </a:rPr>
-              <a:t>h</a:t>
-            </a:r>
-            <a:r>
-              <a:rPr lang="en-GB" sz="2000" b="1" baseline="30000" dirty="0">
-                <a:solidFill>
-                  <a:prstClr val="black"/>
-                </a:solidFill>
-                <a:latin typeface="Calibri" panose="020F0502020204030204"/>
-              </a:rPr>
-              <a:t>g</a:t>
-            </a:r>
-            <a:r>
-              <a:rPr lang="en-GB" sz="1600" b="1" dirty="0">
-                <a:solidFill>
-                  <a:prstClr val="black"/>
-                </a:solidFill>
-                <a:latin typeface="Calibri" panose="020F0502020204030204"/>
-              </a:rPr>
-              <a:t>(v,4)</a:t>
-            </a:r>
-          </a:p>
-        </p:txBody>
-      </p:sp>
+      <mc:AlternateContent xmlns:mc="http://schemas.openxmlformats.org/markup-compatibility/2006">
+        <mc:Choice xmlns:a14="http://schemas.microsoft.com/office/drawing/2010/main" Requires="a14">
+          <p:sp>
+            <p:nvSpPr>
+              <p:cNvPr id="7" name="TextBox 6">
+                <a:extLst>
+                  <a:ext uri="{FF2B5EF4-FFF2-40B4-BE49-F238E27FC236}">
+                    <a16:creationId xmlns:a16="http://schemas.microsoft.com/office/drawing/2014/main" id="{8E7ECB17-6B3A-FDB4-0869-CDA3A01B2D11}"/>
+                  </a:ext>
+                </a:extLst>
+              </p:cNvPr>
+              <p:cNvSpPr txBox="1"/>
+              <p:nvPr/>
+            </p:nvSpPr>
+            <p:spPr>
+              <a:xfrm>
+                <a:off x="337402" y="3743932"/>
+                <a:ext cx="756000" cy="307777"/>
+              </a:xfrm>
+              <a:prstGeom prst="rect">
+                <a:avLst/>
+              </a:prstGeom>
+              <a:noFill/>
+            </p:spPr>
+            <p:txBody>
+              <a:bodyPr wrap="square" rtlCol="0">
+                <a:spAutoFit/>
+              </a:bodyPr>
+              <a:lstStyle/>
+              <a:p>
+                <a:pPr algn="ctr"/>
+                <a14:m>
+                  <m:oMathPara xmlns:m="http://schemas.openxmlformats.org/officeDocument/2006/math">
+                    <m:oMathParaPr>
+                      <m:jc m:val="centerGroup"/>
+                    </m:oMathParaPr>
+                    <m:oMath xmlns:m="http://schemas.openxmlformats.org/officeDocument/2006/math">
+                      <m:r>
+                        <a:rPr lang="en-GB" sz="1400" b="0" i="1" dirty="0" smtClean="0">
+                          <a:latin typeface="Cambria Math" panose="02040503050406030204" pitchFamily="18" charset="0"/>
+                        </a:rPr>
+                        <m:t>h</m:t>
+                      </m:r>
+                      <m:r>
+                        <a:rPr lang="en-GB" b="0" i="1" baseline="30000" dirty="0">
+                          <a:latin typeface="Cambria Math" panose="02040503050406030204" pitchFamily="18" charset="0"/>
+                        </a:rPr>
+                        <m:t>𝑓</m:t>
+                      </m:r>
+                      <m:r>
+                        <a:rPr lang="en-GB" sz="1400" b="0" i="1" dirty="0">
+                          <a:latin typeface="Cambria Math" panose="02040503050406030204" pitchFamily="18" charset="0"/>
+                        </a:rPr>
+                        <m:t>(</m:t>
+                      </m:r>
+                      <m:r>
+                        <a:rPr lang="en-GB" sz="1400" b="0" i="1" dirty="0">
+                          <a:latin typeface="Cambria Math" panose="02040503050406030204" pitchFamily="18" charset="0"/>
+                        </a:rPr>
+                        <m:t>𝑣</m:t>
+                      </m:r>
+                      <m:r>
+                        <a:rPr lang="en-GB" sz="1400" b="0" i="1" dirty="0">
+                          <a:latin typeface="Cambria Math" panose="02040503050406030204" pitchFamily="18" charset="0"/>
+                        </a:rPr>
+                        <m:t>,3)</m:t>
+                      </m:r>
+                    </m:oMath>
+                  </m:oMathPara>
+                </a14:m>
+                <a:endParaRPr lang="en-GB" sz="1400" i="1" dirty="0"/>
+              </a:p>
+            </p:txBody>
+          </p:sp>
+        </mc:Choice>
+        <mc:Fallback>
+          <p:sp>
+            <p:nvSpPr>
+              <p:cNvPr id="7" name="TextBox 6">
+                <a:extLst>
+                  <a:ext uri="{FF2B5EF4-FFF2-40B4-BE49-F238E27FC236}">
+                    <a16:creationId xmlns:a16="http://schemas.microsoft.com/office/drawing/2014/main" id="{8E7ECB17-6B3A-FDB4-0869-CDA3A01B2D11}"/>
+                  </a:ext>
+                </a:extLst>
+              </p:cNvPr>
+              <p:cNvSpPr txBox="1">
+                <a:spLocks noRot="1" noChangeAspect="1" noMove="1" noResize="1" noEditPoints="1" noAdjustHandles="1" noChangeArrowheads="1" noChangeShapeType="1" noTextEdit="1"/>
+              </p:cNvSpPr>
+              <p:nvPr/>
+            </p:nvSpPr>
+            <p:spPr>
+              <a:xfrm>
+                <a:off x="337402" y="3743932"/>
+                <a:ext cx="756000" cy="307777"/>
+              </a:xfrm>
+              <a:prstGeom prst="rect">
+                <a:avLst/>
+              </a:prstGeom>
+              <a:blipFill>
+                <a:blip r:embed="rId2"/>
+                <a:stretch>
+                  <a:fillRect l="-806" t="-1961" b="-5882"/>
+                </a:stretch>
+              </a:blipFill>
+            </p:spPr>
+            <p:txBody>
+              <a:bodyPr/>
+              <a:lstStyle/>
+              <a:p>
+                <a:r>
+                  <a:rPr lang="en-GB">
+                    <a:noFill/>
+                  </a:rPr>
+                  <a:t> </a:t>
+                </a:r>
+              </a:p>
+            </p:txBody>
+          </p:sp>
+        </mc:Fallback>
+      </mc:AlternateContent>
+      <mc:AlternateContent xmlns:mc="http://schemas.openxmlformats.org/markup-compatibility/2006">
+        <mc:Choice xmlns:a14="http://schemas.microsoft.com/office/drawing/2010/main" Requires="a14">
+          <p:sp>
+            <p:nvSpPr>
+              <p:cNvPr id="234" name="TextBox 233">
+                <a:extLst>
+                  <a:ext uri="{FF2B5EF4-FFF2-40B4-BE49-F238E27FC236}">
+                    <a16:creationId xmlns:a16="http://schemas.microsoft.com/office/drawing/2014/main" id="{313A06EA-565B-6B90-126E-B9CC81A71BEA}"/>
+                  </a:ext>
+                </a:extLst>
+              </p:cNvPr>
+              <p:cNvSpPr txBox="1"/>
+              <p:nvPr/>
+            </p:nvSpPr>
+            <p:spPr>
+              <a:xfrm>
+                <a:off x="1010232" y="3743932"/>
+                <a:ext cx="756000" cy="307777"/>
+              </a:xfrm>
+              <a:prstGeom prst="rect">
+                <a:avLst/>
+              </a:prstGeom>
+              <a:noFill/>
+            </p:spPr>
+            <p:txBody>
+              <a:bodyPr wrap="square" rtlCol="0">
+                <a:spAutoFit/>
+              </a:bodyPr>
+              <a:lstStyle/>
+              <a:p>
+                <a:pPr algn="ctr"/>
+                <a14:m>
+                  <m:oMathPara xmlns:m="http://schemas.openxmlformats.org/officeDocument/2006/math">
+                    <m:oMathParaPr>
+                      <m:jc m:val="centerGroup"/>
+                    </m:oMathParaPr>
+                    <m:oMath xmlns:m="http://schemas.openxmlformats.org/officeDocument/2006/math">
+                      <m:r>
+                        <a:rPr lang="en-GB" sz="1400" b="0" i="1" dirty="0" smtClean="0">
+                          <a:latin typeface="Cambria Math" panose="02040503050406030204" pitchFamily="18" charset="0"/>
+                        </a:rPr>
+                        <m:t>h</m:t>
+                      </m:r>
+                      <m:r>
+                        <a:rPr lang="en-GB" b="0" i="1" baseline="30000" dirty="0" smtClean="0">
+                          <a:latin typeface="Cambria Math" panose="02040503050406030204" pitchFamily="18" charset="0"/>
+                        </a:rPr>
+                        <m:t>𝑓</m:t>
+                      </m:r>
+                      <m:r>
+                        <a:rPr lang="en-GB" sz="1400" b="0" i="1" dirty="0" smtClean="0">
+                          <a:latin typeface="Cambria Math" panose="02040503050406030204" pitchFamily="18" charset="0"/>
+                        </a:rPr>
+                        <m:t>(</m:t>
+                      </m:r>
+                      <m:r>
+                        <a:rPr lang="en-GB" sz="1400" b="0" i="1" dirty="0" smtClean="0">
+                          <a:latin typeface="Cambria Math" panose="02040503050406030204" pitchFamily="18" charset="0"/>
+                        </a:rPr>
+                        <m:t>𝑣</m:t>
+                      </m:r>
+                      <m:r>
+                        <a:rPr lang="en-GB" sz="1400" b="0" i="1" dirty="0" smtClean="0">
+                          <a:latin typeface="Cambria Math" panose="02040503050406030204" pitchFamily="18" charset="0"/>
+                        </a:rPr>
+                        <m:t>,1)</m:t>
+                      </m:r>
+                    </m:oMath>
+                  </m:oMathPara>
+                </a14:m>
+                <a:endParaRPr lang="en-GB" sz="1400" i="1" dirty="0"/>
+              </a:p>
+            </p:txBody>
+          </p:sp>
+        </mc:Choice>
+        <mc:Fallback>
+          <p:sp>
+            <p:nvSpPr>
+              <p:cNvPr id="234" name="TextBox 233">
+                <a:extLst>
+                  <a:ext uri="{FF2B5EF4-FFF2-40B4-BE49-F238E27FC236}">
+                    <a16:creationId xmlns:a16="http://schemas.microsoft.com/office/drawing/2014/main" id="{313A06EA-565B-6B90-126E-B9CC81A71BEA}"/>
+                  </a:ext>
+                </a:extLst>
+              </p:cNvPr>
+              <p:cNvSpPr txBox="1">
+                <a:spLocks noRot="1" noChangeAspect="1" noMove="1" noResize="1" noEditPoints="1" noAdjustHandles="1" noChangeArrowheads="1" noChangeShapeType="1" noTextEdit="1"/>
+              </p:cNvSpPr>
+              <p:nvPr/>
+            </p:nvSpPr>
+            <p:spPr>
+              <a:xfrm>
+                <a:off x="1010232" y="3743932"/>
+                <a:ext cx="756000" cy="307777"/>
+              </a:xfrm>
+              <a:prstGeom prst="rect">
+                <a:avLst/>
+              </a:prstGeom>
+              <a:blipFill>
+                <a:blip r:embed="rId3"/>
+                <a:stretch>
+                  <a:fillRect l="-806" t="-1961" b="-5882"/>
+                </a:stretch>
+              </a:blipFill>
+            </p:spPr>
+            <p:txBody>
+              <a:bodyPr/>
+              <a:lstStyle/>
+              <a:p>
+                <a:r>
+                  <a:rPr lang="en-GB">
+                    <a:noFill/>
+                  </a:rPr>
+                  <a:t> </a:t>
+                </a:r>
+              </a:p>
+            </p:txBody>
+          </p:sp>
+        </mc:Fallback>
+      </mc:AlternateContent>
+      <mc:AlternateContent xmlns:mc="http://schemas.openxmlformats.org/markup-compatibility/2006">
+        <mc:Choice xmlns:a14="http://schemas.microsoft.com/office/drawing/2010/main" Requires="a14">
+          <p:sp>
+            <p:nvSpPr>
+              <p:cNvPr id="235" name="TextBox 234">
+                <a:extLst>
+                  <a:ext uri="{FF2B5EF4-FFF2-40B4-BE49-F238E27FC236}">
+                    <a16:creationId xmlns:a16="http://schemas.microsoft.com/office/drawing/2014/main" id="{99BC3C50-0290-37C2-FD17-E2736DE17021}"/>
+                  </a:ext>
+                </a:extLst>
+              </p:cNvPr>
+              <p:cNvSpPr txBox="1"/>
+              <p:nvPr/>
+            </p:nvSpPr>
+            <p:spPr>
+              <a:xfrm>
+                <a:off x="1679663" y="3743932"/>
+                <a:ext cx="756000" cy="307777"/>
+              </a:xfrm>
+              <a:prstGeom prst="rect">
+                <a:avLst/>
+              </a:prstGeom>
+              <a:noFill/>
+            </p:spPr>
+            <p:txBody>
+              <a:bodyPr wrap="square" rtlCol="0">
+                <a:spAutoFit/>
+              </a:bodyPr>
+              <a:lstStyle/>
+              <a:p>
+                <a:pPr algn="ctr"/>
+                <a14:m>
+                  <m:oMathPara xmlns:m="http://schemas.openxmlformats.org/officeDocument/2006/math">
+                    <m:oMathParaPr>
+                      <m:jc m:val="centerGroup"/>
+                    </m:oMathParaPr>
+                    <m:oMath xmlns:m="http://schemas.openxmlformats.org/officeDocument/2006/math">
+                      <m:r>
+                        <a:rPr lang="en-GB" sz="1400" b="0" i="1" dirty="0" smtClean="0">
+                          <a:latin typeface="Cambria Math" panose="02040503050406030204" pitchFamily="18" charset="0"/>
+                        </a:rPr>
+                        <m:t>h</m:t>
+                      </m:r>
+                      <m:r>
+                        <a:rPr lang="en-GB" b="0" i="1" baseline="30000" dirty="0">
+                          <a:latin typeface="Cambria Math" panose="02040503050406030204" pitchFamily="18" charset="0"/>
+                        </a:rPr>
+                        <m:t>𝑓</m:t>
+                      </m:r>
+                      <m:r>
+                        <a:rPr lang="en-GB" sz="1400" b="0" i="1" dirty="0">
+                          <a:latin typeface="Cambria Math" panose="02040503050406030204" pitchFamily="18" charset="0"/>
+                        </a:rPr>
+                        <m:t>(</m:t>
+                      </m:r>
+                      <m:r>
+                        <a:rPr lang="en-GB" sz="1400" b="0" i="1" dirty="0">
+                          <a:latin typeface="Cambria Math" panose="02040503050406030204" pitchFamily="18" charset="0"/>
+                        </a:rPr>
+                        <m:t>𝑣</m:t>
+                      </m:r>
+                      <m:r>
+                        <a:rPr lang="en-GB" sz="1400" b="0" i="1" dirty="0">
+                          <a:latin typeface="Cambria Math" panose="02040503050406030204" pitchFamily="18" charset="0"/>
+                        </a:rPr>
+                        <m:t>,2)</m:t>
+                      </m:r>
+                    </m:oMath>
+                  </m:oMathPara>
+                </a14:m>
+                <a:endParaRPr lang="en-GB" sz="1400" i="1" dirty="0"/>
+              </a:p>
+            </p:txBody>
+          </p:sp>
+        </mc:Choice>
+        <mc:Fallback>
+          <p:sp>
+            <p:nvSpPr>
+              <p:cNvPr id="235" name="TextBox 234">
+                <a:extLst>
+                  <a:ext uri="{FF2B5EF4-FFF2-40B4-BE49-F238E27FC236}">
+                    <a16:creationId xmlns:a16="http://schemas.microsoft.com/office/drawing/2014/main" id="{99BC3C50-0290-37C2-FD17-E2736DE17021}"/>
+                  </a:ext>
+                </a:extLst>
+              </p:cNvPr>
+              <p:cNvSpPr txBox="1">
+                <a:spLocks noRot="1" noChangeAspect="1" noMove="1" noResize="1" noEditPoints="1" noAdjustHandles="1" noChangeArrowheads="1" noChangeShapeType="1" noTextEdit="1"/>
+              </p:cNvSpPr>
+              <p:nvPr/>
+            </p:nvSpPr>
+            <p:spPr>
+              <a:xfrm>
+                <a:off x="1679663" y="3743932"/>
+                <a:ext cx="756000" cy="307777"/>
+              </a:xfrm>
+              <a:prstGeom prst="rect">
+                <a:avLst/>
+              </a:prstGeom>
+              <a:blipFill>
+                <a:blip r:embed="rId4"/>
+                <a:stretch>
+                  <a:fillRect l="-806" t="-1961" b="-5882"/>
+                </a:stretch>
+              </a:blipFill>
+            </p:spPr>
+            <p:txBody>
+              <a:bodyPr/>
+              <a:lstStyle/>
+              <a:p>
+                <a:r>
+                  <a:rPr lang="en-GB">
+                    <a:noFill/>
+                  </a:rPr>
+                  <a:t> </a:t>
+                </a:r>
+              </a:p>
+            </p:txBody>
+          </p:sp>
+        </mc:Fallback>
+      </mc:AlternateContent>
+      <mc:AlternateContent xmlns:mc="http://schemas.openxmlformats.org/markup-compatibility/2006">
+        <mc:Choice xmlns:a14="http://schemas.microsoft.com/office/drawing/2010/main" Requires="a14">
+          <p:sp>
+            <p:nvSpPr>
+              <p:cNvPr id="236" name="TextBox 235">
+                <a:extLst>
+                  <a:ext uri="{FF2B5EF4-FFF2-40B4-BE49-F238E27FC236}">
+                    <a16:creationId xmlns:a16="http://schemas.microsoft.com/office/drawing/2014/main" id="{00F46FE5-3D0A-C1D3-4E9E-3F7604B83EE7}"/>
+                  </a:ext>
+                </a:extLst>
+              </p:cNvPr>
+              <p:cNvSpPr txBox="1"/>
+              <p:nvPr/>
+            </p:nvSpPr>
+            <p:spPr>
+              <a:xfrm>
+                <a:off x="3045662" y="3743932"/>
+                <a:ext cx="756000" cy="307777"/>
+              </a:xfrm>
+              <a:prstGeom prst="rect">
+                <a:avLst/>
+              </a:prstGeom>
+              <a:noFill/>
+            </p:spPr>
+            <p:txBody>
+              <a:bodyPr wrap="square" rtlCol="0">
+                <a:spAutoFit/>
+              </a:bodyPr>
+              <a:lstStyle/>
+              <a:p>
+                <a:pPr algn="ctr"/>
+                <a14:m>
+                  <m:oMathPara xmlns:m="http://schemas.openxmlformats.org/officeDocument/2006/math">
+                    <m:oMathParaPr>
+                      <m:jc m:val="centerGroup"/>
+                    </m:oMathParaPr>
+                    <m:oMath xmlns:m="http://schemas.openxmlformats.org/officeDocument/2006/math">
+                      <m:r>
+                        <a:rPr lang="en-GB" sz="1400" i="1" dirty="0" smtClean="0">
+                          <a:latin typeface="Cambria Math" panose="02040503050406030204" pitchFamily="18" charset="0"/>
+                        </a:rPr>
+                        <m:t>h</m:t>
+                      </m:r>
+                      <m:r>
+                        <a:rPr lang="en-GB" i="1" baseline="30000" dirty="0" smtClean="0">
+                          <a:latin typeface="Cambria Math" panose="02040503050406030204" pitchFamily="18" charset="0"/>
+                        </a:rPr>
+                        <m:t>𝑓</m:t>
+                      </m:r>
+                      <m:r>
+                        <a:rPr lang="en-GB" sz="1400" i="1" dirty="0" smtClean="0">
+                          <a:latin typeface="Cambria Math" panose="02040503050406030204" pitchFamily="18" charset="0"/>
+                        </a:rPr>
+                        <m:t>(</m:t>
+                      </m:r>
+                      <m:r>
+                        <a:rPr lang="en-GB" sz="1400" i="1" dirty="0" smtClean="0">
+                          <a:latin typeface="Cambria Math" panose="02040503050406030204" pitchFamily="18" charset="0"/>
+                        </a:rPr>
+                        <m:t>𝑣</m:t>
+                      </m:r>
+                      <m:r>
+                        <a:rPr lang="en-GB" sz="1400" i="1" dirty="0" smtClean="0">
+                          <a:latin typeface="Cambria Math" panose="02040503050406030204" pitchFamily="18" charset="0"/>
+                        </a:rPr>
+                        <m:t>,4)</m:t>
+                      </m:r>
+                    </m:oMath>
+                  </m:oMathPara>
+                </a14:m>
+                <a:endParaRPr lang="en-GB" sz="1400" i="1" dirty="0"/>
+              </a:p>
+            </p:txBody>
+          </p:sp>
+        </mc:Choice>
+        <mc:Fallback>
+          <p:sp>
+            <p:nvSpPr>
+              <p:cNvPr id="236" name="TextBox 235">
+                <a:extLst>
+                  <a:ext uri="{FF2B5EF4-FFF2-40B4-BE49-F238E27FC236}">
+                    <a16:creationId xmlns:a16="http://schemas.microsoft.com/office/drawing/2014/main" id="{00F46FE5-3D0A-C1D3-4E9E-3F7604B83EE7}"/>
+                  </a:ext>
+                </a:extLst>
+              </p:cNvPr>
+              <p:cNvSpPr txBox="1">
+                <a:spLocks noRot="1" noChangeAspect="1" noMove="1" noResize="1" noEditPoints="1" noAdjustHandles="1" noChangeArrowheads="1" noChangeShapeType="1" noTextEdit="1"/>
+              </p:cNvSpPr>
+              <p:nvPr/>
+            </p:nvSpPr>
+            <p:spPr>
+              <a:xfrm>
+                <a:off x="3045662" y="3743932"/>
+                <a:ext cx="756000" cy="307777"/>
+              </a:xfrm>
+              <a:prstGeom prst="rect">
+                <a:avLst/>
+              </a:prstGeom>
+              <a:blipFill>
+                <a:blip r:embed="rId5"/>
+                <a:stretch>
+                  <a:fillRect l="-806" t="-1961" b="-5882"/>
+                </a:stretch>
+              </a:blipFill>
+            </p:spPr>
+            <p:txBody>
+              <a:bodyPr/>
+              <a:lstStyle/>
+              <a:p>
+                <a:r>
+                  <a:rPr lang="en-GB">
+                    <a:noFill/>
+                  </a:rPr>
+                  <a:t> </a:t>
+                </a:r>
+              </a:p>
+            </p:txBody>
+          </p:sp>
+        </mc:Fallback>
+      </mc:AlternateContent>
+      <mc:AlternateContent xmlns:mc="http://schemas.openxmlformats.org/markup-compatibility/2006">
+        <mc:Choice xmlns:a14="http://schemas.microsoft.com/office/drawing/2010/main" Requires="a14">
+          <p:sp>
+            <p:nvSpPr>
+              <p:cNvPr id="238" name="TextBox 237">
+                <a:extLst>
+                  <a:ext uri="{FF2B5EF4-FFF2-40B4-BE49-F238E27FC236}">
+                    <a16:creationId xmlns:a16="http://schemas.microsoft.com/office/drawing/2014/main" id="{2154C6B2-3556-6A8D-B5B9-AA844CC01C8C}"/>
+                  </a:ext>
+                </a:extLst>
+              </p:cNvPr>
+              <p:cNvSpPr txBox="1"/>
+              <p:nvPr/>
+            </p:nvSpPr>
+            <p:spPr>
+              <a:xfrm>
+                <a:off x="6609976" y="3743932"/>
+                <a:ext cx="756000" cy="307777"/>
+              </a:xfrm>
+              <a:prstGeom prst="rect">
+                <a:avLst/>
+              </a:prstGeom>
+              <a:noFill/>
+            </p:spPr>
+            <p:txBody>
+              <a:bodyPr wrap="square" rtlCol="0">
+                <a:spAutoFit/>
+              </a:bodyPr>
+              <a:lstStyle/>
+              <a:p>
+                <a:pPr algn="ctr"/>
+                <a14:m>
+                  <m:oMathPara xmlns:m="http://schemas.openxmlformats.org/officeDocument/2006/math">
+                    <m:oMathParaPr>
+                      <m:jc m:val="centerGroup"/>
+                    </m:oMathParaPr>
+                    <m:oMath xmlns:m="http://schemas.openxmlformats.org/officeDocument/2006/math">
+                      <m:r>
+                        <a:rPr lang="en-GB" sz="1400" i="1" dirty="0" smtClean="0">
+                          <a:latin typeface="Cambria Math" panose="02040503050406030204" pitchFamily="18" charset="0"/>
+                        </a:rPr>
+                        <m:t>h</m:t>
+                      </m:r>
+                      <m:r>
+                        <a:rPr lang="en-GB" sz="1400" i="1" baseline="30000" dirty="0" smtClean="0">
+                          <a:latin typeface="Cambria Math" panose="02040503050406030204" pitchFamily="18" charset="0"/>
+                        </a:rPr>
+                        <m:t>𝑔</m:t>
+                      </m:r>
+                      <m:r>
+                        <a:rPr lang="en-GB" sz="1400" i="1" dirty="0" smtClean="0">
+                          <a:latin typeface="Cambria Math" panose="02040503050406030204" pitchFamily="18" charset="0"/>
+                        </a:rPr>
+                        <m:t>(</m:t>
+                      </m:r>
+                      <m:r>
+                        <a:rPr lang="en-GB" sz="1400" i="1" dirty="0" smtClean="0">
+                          <a:latin typeface="Cambria Math" panose="02040503050406030204" pitchFamily="18" charset="0"/>
+                        </a:rPr>
+                        <m:t>𝑣</m:t>
+                      </m:r>
+                      <m:r>
+                        <a:rPr lang="en-GB" sz="1400" i="1" dirty="0" smtClean="0">
+                          <a:latin typeface="Cambria Math" panose="02040503050406030204" pitchFamily="18" charset="0"/>
+                        </a:rPr>
+                        <m:t>,2)</m:t>
+                      </m:r>
+                    </m:oMath>
+                  </m:oMathPara>
+                </a14:m>
+                <a:endParaRPr lang="en-GB" sz="1400" i="1" dirty="0"/>
+              </a:p>
+            </p:txBody>
+          </p:sp>
+        </mc:Choice>
+        <mc:Fallback>
+          <p:sp>
+            <p:nvSpPr>
+              <p:cNvPr id="238" name="TextBox 237">
+                <a:extLst>
+                  <a:ext uri="{FF2B5EF4-FFF2-40B4-BE49-F238E27FC236}">
+                    <a16:creationId xmlns:a16="http://schemas.microsoft.com/office/drawing/2014/main" id="{2154C6B2-3556-6A8D-B5B9-AA844CC01C8C}"/>
+                  </a:ext>
+                </a:extLst>
+              </p:cNvPr>
+              <p:cNvSpPr txBox="1">
+                <a:spLocks noRot="1" noChangeAspect="1" noMove="1" noResize="1" noEditPoints="1" noAdjustHandles="1" noChangeArrowheads="1" noChangeShapeType="1" noTextEdit="1"/>
+              </p:cNvSpPr>
+              <p:nvPr/>
+            </p:nvSpPr>
+            <p:spPr>
+              <a:xfrm>
+                <a:off x="6609976" y="3743932"/>
+                <a:ext cx="756000" cy="307777"/>
+              </a:xfrm>
+              <a:prstGeom prst="rect">
+                <a:avLst/>
+              </a:prstGeom>
+              <a:blipFill>
+                <a:blip r:embed="rId6"/>
+                <a:stretch>
+                  <a:fillRect b="-5882"/>
+                </a:stretch>
+              </a:blipFill>
+            </p:spPr>
+            <p:txBody>
+              <a:bodyPr/>
+              <a:lstStyle/>
+              <a:p>
+                <a:r>
+                  <a:rPr lang="en-GB">
+                    <a:noFill/>
+                  </a:rPr>
+                  <a:t> </a:t>
+                </a:r>
+              </a:p>
+            </p:txBody>
+          </p:sp>
+        </mc:Fallback>
+      </mc:AlternateContent>
+      <mc:AlternateContent xmlns:mc="http://schemas.openxmlformats.org/markup-compatibility/2006">
+        <mc:Choice xmlns:a14="http://schemas.microsoft.com/office/drawing/2010/main" Requires="a14">
+          <p:sp>
+            <p:nvSpPr>
+              <p:cNvPr id="239" name="TextBox 238">
+                <a:extLst>
+                  <a:ext uri="{FF2B5EF4-FFF2-40B4-BE49-F238E27FC236}">
+                    <a16:creationId xmlns:a16="http://schemas.microsoft.com/office/drawing/2014/main" id="{9FEFB1E2-7387-41CE-1B69-D3B5FDEF182F}"/>
+                  </a:ext>
+                </a:extLst>
+              </p:cNvPr>
+              <p:cNvSpPr txBox="1"/>
+              <p:nvPr/>
+            </p:nvSpPr>
+            <p:spPr>
+              <a:xfrm>
+                <a:off x="7279371" y="3743932"/>
+                <a:ext cx="756000" cy="307777"/>
+              </a:xfrm>
+              <a:prstGeom prst="rect">
+                <a:avLst/>
+              </a:prstGeom>
+              <a:noFill/>
+            </p:spPr>
+            <p:txBody>
+              <a:bodyPr wrap="square" rtlCol="0">
+                <a:spAutoFit/>
+              </a:bodyPr>
+              <a:lstStyle/>
+              <a:p>
+                <a:pPr algn="ctr">
+                  <a:defRPr/>
+                </a:pPr>
+                <a14:m>
+                  <m:oMathPara xmlns:m="http://schemas.openxmlformats.org/officeDocument/2006/math">
+                    <m:oMathParaPr>
+                      <m:jc m:val="centerGroup"/>
+                    </m:oMathParaPr>
+                    <m:oMath xmlns:m="http://schemas.openxmlformats.org/officeDocument/2006/math">
+                      <m:r>
+                        <a:rPr lang="en-GB" sz="1400" i="1" dirty="0" smtClean="0">
+                          <a:solidFill>
+                            <a:prstClr val="black"/>
+                          </a:solidFill>
+                          <a:latin typeface="Cambria Math" panose="02040503050406030204" pitchFamily="18" charset="0"/>
+                        </a:rPr>
+                        <m:t>h</m:t>
+                      </m:r>
+                      <m:r>
+                        <a:rPr lang="en-GB" sz="1400" i="1" baseline="30000" dirty="0" smtClean="0">
+                          <a:solidFill>
+                            <a:prstClr val="black"/>
+                          </a:solidFill>
+                          <a:latin typeface="Cambria Math" panose="02040503050406030204" pitchFamily="18" charset="0"/>
+                        </a:rPr>
+                        <m:t>𝑔</m:t>
+                      </m:r>
+                      <m:r>
+                        <a:rPr lang="en-GB" sz="1400" i="1" dirty="0" smtClean="0">
+                          <a:solidFill>
+                            <a:prstClr val="black"/>
+                          </a:solidFill>
+                          <a:latin typeface="Cambria Math" panose="02040503050406030204" pitchFamily="18" charset="0"/>
+                        </a:rPr>
+                        <m:t>(</m:t>
+                      </m:r>
+                      <m:r>
+                        <a:rPr lang="en-GB" sz="1400" i="1" dirty="0" smtClean="0">
+                          <a:solidFill>
+                            <a:prstClr val="black"/>
+                          </a:solidFill>
+                          <a:latin typeface="Cambria Math" panose="02040503050406030204" pitchFamily="18" charset="0"/>
+                        </a:rPr>
+                        <m:t>𝑣</m:t>
+                      </m:r>
+                      <m:r>
+                        <a:rPr lang="en-GB" sz="1400" i="1" dirty="0" smtClean="0">
+                          <a:solidFill>
+                            <a:prstClr val="black"/>
+                          </a:solidFill>
+                          <a:latin typeface="Cambria Math" panose="02040503050406030204" pitchFamily="18" charset="0"/>
+                        </a:rPr>
+                        <m:t>,1)</m:t>
+                      </m:r>
+                    </m:oMath>
+                  </m:oMathPara>
+                </a14:m>
+                <a:endParaRPr lang="en-GB" sz="1400" i="1" dirty="0">
+                  <a:solidFill>
+                    <a:prstClr val="black"/>
+                  </a:solidFill>
+                  <a:latin typeface="Calibri" panose="020F0502020204030204"/>
+                </a:endParaRPr>
+              </a:p>
+            </p:txBody>
+          </p:sp>
+        </mc:Choice>
+        <mc:Fallback>
+          <p:sp>
+            <p:nvSpPr>
+              <p:cNvPr id="239" name="TextBox 238">
+                <a:extLst>
+                  <a:ext uri="{FF2B5EF4-FFF2-40B4-BE49-F238E27FC236}">
+                    <a16:creationId xmlns:a16="http://schemas.microsoft.com/office/drawing/2014/main" id="{9FEFB1E2-7387-41CE-1B69-D3B5FDEF182F}"/>
+                  </a:ext>
+                </a:extLst>
+              </p:cNvPr>
+              <p:cNvSpPr txBox="1">
+                <a:spLocks noRot="1" noChangeAspect="1" noMove="1" noResize="1" noEditPoints="1" noAdjustHandles="1" noChangeArrowheads="1" noChangeShapeType="1" noTextEdit="1"/>
+              </p:cNvSpPr>
+              <p:nvPr/>
+            </p:nvSpPr>
+            <p:spPr>
+              <a:xfrm>
+                <a:off x="7279371" y="3743932"/>
+                <a:ext cx="756000" cy="307777"/>
+              </a:xfrm>
+              <a:prstGeom prst="rect">
+                <a:avLst/>
+              </a:prstGeom>
+              <a:blipFill>
+                <a:blip r:embed="rId7"/>
+                <a:stretch>
+                  <a:fillRect b="-5882"/>
+                </a:stretch>
+              </a:blipFill>
+            </p:spPr>
+            <p:txBody>
+              <a:bodyPr/>
+              <a:lstStyle/>
+              <a:p>
+                <a:r>
+                  <a:rPr lang="en-GB">
+                    <a:noFill/>
+                  </a:rPr>
+                  <a:t> </a:t>
+                </a:r>
+              </a:p>
+            </p:txBody>
+          </p:sp>
+        </mc:Fallback>
+      </mc:AlternateContent>
+      <mc:AlternateContent xmlns:mc="http://schemas.openxmlformats.org/markup-compatibility/2006">
+        <mc:Choice xmlns:a14="http://schemas.microsoft.com/office/drawing/2010/main" Requires="a14">
+          <p:sp>
+            <p:nvSpPr>
+              <p:cNvPr id="240" name="TextBox 239">
+                <a:extLst>
+                  <a:ext uri="{FF2B5EF4-FFF2-40B4-BE49-F238E27FC236}">
+                    <a16:creationId xmlns:a16="http://schemas.microsoft.com/office/drawing/2014/main" id="{CB32FFBD-8A8C-3094-C30A-77A2E5F00BA8}"/>
+                  </a:ext>
+                </a:extLst>
+              </p:cNvPr>
+              <p:cNvSpPr txBox="1"/>
+              <p:nvPr/>
+            </p:nvSpPr>
+            <p:spPr>
+              <a:xfrm>
+                <a:off x="7952237" y="3743932"/>
+                <a:ext cx="756000" cy="307777"/>
+              </a:xfrm>
+              <a:prstGeom prst="rect">
+                <a:avLst/>
+              </a:prstGeom>
+              <a:noFill/>
+            </p:spPr>
+            <p:txBody>
+              <a:bodyPr wrap="square" rtlCol="0">
+                <a:spAutoFit/>
+              </a:bodyPr>
+              <a:lstStyle/>
+              <a:p>
+                <a:pPr algn="ctr">
+                  <a:defRPr/>
+                </a:pPr>
+                <a14:m>
+                  <m:oMathPara xmlns:m="http://schemas.openxmlformats.org/officeDocument/2006/math">
+                    <m:oMathParaPr>
+                      <m:jc m:val="centerGroup"/>
+                    </m:oMathParaPr>
+                    <m:oMath xmlns:m="http://schemas.openxmlformats.org/officeDocument/2006/math">
+                      <m:r>
+                        <a:rPr lang="en-GB" sz="1400" i="1" dirty="0" smtClean="0">
+                          <a:solidFill>
+                            <a:prstClr val="black"/>
+                          </a:solidFill>
+                          <a:latin typeface="Cambria Math" panose="02040503050406030204" pitchFamily="18" charset="0"/>
+                        </a:rPr>
+                        <m:t>h</m:t>
+                      </m:r>
+                      <m:r>
+                        <a:rPr lang="en-GB" sz="1400" i="1" baseline="30000" dirty="0" smtClean="0">
+                          <a:solidFill>
+                            <a:prstClr val="black"/>
+                          </a:solidFill>
+                          <a:latin typeface="Cambria Math" panose="02040503050406030204" pitchFamily="18" charset="0"/>
+                        </a:rPr>
+                        <m:t>𝑔</m:t>
+                      </m:r>
+                      <m:r>
+                        <a:rPr lang="en-GB" sz="1400" i="1" dirty="0" smtClean="0">
+                          <a:solidFill>
+                            <a:prstClr val="black"/>
+                          </a:solidFill>
+                          <a:latin typeface="Cambria Math" panose="02040503050406030204" pitchFamily="18" charset="0"/>
+                        </a:rPr>
+                        <m:t>(</m:t>
+                      </m:r>
+                      <m:r>
+                        <a:rPr lang="en-GB" sz="1400" i="1" dirty="0" smtClean="0">
+                          <a:solidFill>
+                            <a:prstClr val="black"/>
+                          </a:solidFill>
+                          <a:latin typeface="Cambria Math" panose="02040503050406030204" pitchFamily="18" charset="0"/>
+                        </a:rPr>
+                        <m:t>𝑣</m:t>
+                      </m:r>
+                      <m:r>
+                        <a:rPr lang="en-GB" sz="1400" i="1" dirty="0" smtClean="0">
+                          <a:solidFill>
+                            <a:prstClr val="black"/>
+                          </a:solidFill>
+                          <a:latin typeface="Cambria Math" panose="02040503050406030204" pitchFamily="18" charset="0"/>
+                        </a:rPr>
+                        <m:t>,3)</m:t>
+                      </m:r>
+                    </m:oMath>
+                  </m:oMathPara>
+                </a14:m>
+                <a:endParaRPr lang="en-GB" sz="1400" i="1" dirty="0">
+                  <a:solidFill>
+                    <a:prstClr val="black"/>
+                  </a:solidFill>
+                  <a:latin typeface="Calibri" panose="020F0502020204030204"/>
+                </a:endParaRPr>
+              </a:p>
+            </p:txBody>
+          </p:sp>
+        </mc:Choice>
+        <mc:Fallback>
+          <p:sp>
+            <p:nvSpPr>
+              <p:cNvPr id="240" name="TextBox 239">
+                <a:extLst>
+                  <a:ext uri="{FF2B5EF4-FFF2-40B4-BE49-F238E27FC236}">
+                    <a16:creationId xmlns:a16="http://schemas.microsoft.com/office/drawing/2014/main" id="{CB32FFBD-8A8C-3094-C30A-77A2E5F00BA8}"/>
+                  </a:ext>
+                </a:extLst>
+              </p:cNvPr>
+              <p:cNvSpPr txBox="1">
+                <a:spLocks noRot="1" noChangeAspect="1" noMove="1" noResize="1" noEditPoints="1" noAdjustHandles="1" noChangeArrowheads="1" noChangeShapeType="1" noTextEdit="1"/>
+              </p:cNvSpPr>
+              <p:nvPr/>
+            </p:nvSpPr>
+            <p:spPr>
+              <a:xfrm>
+                <a:off x="7952237" y="3743932"/>
+                <a:ext cx="756000" cy="307777"/>
+              </a:xfrm>
+              <a:prstGeom prst="rect">
+                <a:avLst/>
+              </a:prstGeom>
+              <a:blipFill>
+                <a:blip r:embed="rId8"/>
+                <a:stretch>
+                  <a:fillRect b="-5882"/>
+                </a:stretch>
+              </a:blipFill>
+            </p:spPr>
+            <p:txBody>
+              <a:bodyPr/>
+              <a:lstStyle/>
+              <a:p>
+                <a:r>
+                  <a:rPr lang="en-GB">
+                    <a:noFill/>
+                  </a:rPr>
+                  <a:t> </a:t>
+                </a:r>
+              </a:p>
+            </p:txBody>
+          </p:sp>
+        </mc:Fallback>
+      </mc:AlternateContent>
+      <mc:AlternateContent xmlns:mc="http://schemas.openxmlformats.org/markup-compatibility/2006">
+        <mc:Choice xmlns:a14="http://schemas.microsoft.com/office/drawing/2010/main" Requires="a14">
+          <p:sp>
+            <p:nvSpPr>
+              <p:cNvPr id="241" name="TextBox 240">
+                <a:extLst>
+                  <a:ext uri="{FF2B5EF4-FFF2-40B4-BE49-F238E27FC236}">
+                    <a16:creationId xmlns:a16="http://schemas.microsoft.com/office/drawing/2014/main" id="{4CB0A7B9-3C61-858B-F551-73FA835D38DE}"/>
+                  </a:ext>
+                </a:extLst>
+              </p:cNvPr>
+              <p:cNvSpPr txBox="1"/>
+              <p:nvPr/>
+            </p:nvSpPr>
+            <p:spPr>
+              <a:xfrm>
+                <a:off x="9318236" y="3743932"/>
+                <a:ext cx="756000" cy="307777"/>
+              </a:xfrm>
+              <a:prstGeom prst="rect">
+                <a:avLst/>
+              </a:prstGeom>
+              <a:noFill/>
+            </p:spPr>
+            <p:txBody>
+              <a:bodyPr wrap="square" rtlCol="0">
+                <a:spAutoFit/>
+              </a:bodyPr>
+              <a:lstStyle/>
+              <a:p>
+                <a:pPr algn="ctr">
+                  <a:defRPr/>
+                </a:pPr>
+                <a14:m>
+                  <m:oMathPara xmlns:m="http://schemas.openxmlformats.org/officeDocument/2006/math">
+                    <m:oMathParaPr>
+                      <m:jc m:val="centerGroup"/>
+                    </m:oMathParaPr>
+                    <m:oMath xmlns:m="http://schemas.openxmlformats.org/officeDocument/2006/math">
+                      <m:r>
+                        <a:rPr lang="en-GB" sz="1400" i="1" dirty="0" smtClean="0">
+                          <a:solidFill>
+                            <a:prstClr val="black"/>
+                          </a:solidFill>
+                          <a:latin typeface="Cambria Math" panose="02040503050406030204" pitchFamily="18" charset="0"/>
+                        </a:rPr>
+                        <m:t>h</m:t>
+                      </m:r>
+                      <m:r>
+                        <a:rPr lang="en-GB" sz="1400" i="1" baseline="30000" dirty="0" smtClean="0">
+                          <a:solidFill>
+                            <a:prstClr val="black"/>
+                          </a:solidFill>
+                          <a:latin typeface="Cambria Math" panose="02040503050406030204" pitchFamily="18" charset="0"/>
+                        </a:rPr>
+                        <m:t>𝑔</m:t>
+                      </m:r>
+                      <m:r>
+                        <a:rPr lang="en-GB" sz="1400" i="1" dirty="0" smtClean="0">
+                          <a:solidFill>
+                            <a:prstClr val="black"/>
+                          </a:solidFill>
+                          <a:latin typeface="Cambria Math" panose="02040503050406030204" pitchFamily="18" charset="0"/>
+                        </a:rPr>
+                        <m:t>(</m:t>
+                      </m:r>
+                      <m:r>
+                        <a:rPr lang="en-GB" sz="1400" i="1" dirty="0" smtClean="0">
+                          <a:solidFill>
+                            <a:prstClr val="black"/>
+                          </a:solidFill>
+                          <a:latin typeface="Cambria Math" panose="02040503050406030204" pitchFamily="18" charset="0"/>
+                        </a:rPr>
+                        <m:t>𝑣</m:t>
+                      </m:r>
+                      <m:r>
+                        <a:rPr lang="en-GB" sz="1400" i="1" dirty="0" smtClean="0">
+                          <a:solidFill>
+                            <a:prstClr val="black"/>
+                          </a:solidFill>
+                          <a:latin typeface="Cambria Math" panose="02040503050406030204" pitchFamily="18" charset="0"/>
+                        </a:rPr>
+                        <m:t>,4)</m:t>
+                      </m:r>
+                    </m:oMath>
+                  </m:oMathPara>
+                </a14:m>
+                <a:endParaRPr lang="en-GB" sz="1400" i="1" dirty="0">
+                  <a:solidFill>
+                    <a:prstClr val="black"/>
+                  </a:solidFill>
+                  <a:latin typeface="Calibri" panose="020F0502020204030204"/>
+                </a:endParaRPr>
+              </a:p>
+            </p:txBody>
+          </p:sp>
+        </mc:Choice>
+        <mc:Fallback>
+          <p:sp>
+            <p:nvSpPr>
+              <p:cNvPr id="241" name="TextBox 240">
+                <a:extLst>
+                  <a:ext uri="{FF2B5EF4-FFF2-40B4-BE49-F238E27FC236}">
+                    <a16:creationId xmlns:a16="http://schemas.microsoft.com/office/drawing/2014/main" id="{4CB0A7B9-3C61-858B-F551-73FA835D38DE}"/>
+                  </a:ext>
+                </a:extLst>
+              </p:cNvPr>
+              <p:cNvSpPr txBox="1">
+                <a:spLocks noRot="1" noChangeAspect="1" noMove="1" noResize="1" noEditPoints="1" noAdjustHandles="1" noChangeArrowheads="1" noChangeShapeType="1" noTextEdit="1"/>
+              </p:cNvSpPr>
+              <p:nvPr/>
+            </p:nvSpPr>
+            <p:spPr>
+              <a:xfrm>
+                <a:off x="9318236" y="3743932"/>
+                <a:ext cx="756000" cy="307777"/>
+              </a:xfrm>
+              <a:prstGeom prst="rect">
+                <a:avLst/>
+              </a:prstGeom>
+              <a:blipFill>
+                <a:blip r:embed="rId9"/>
+                <a:stretch>
+                  <a:fillRect b="-5882"/>
+                </a:stretch>
+              </a:blipFill>
+            </p:spPr>
+            <p:txBody>
+              <a:bodyPr/>
+              <a:lstStyle/>
+              <a:p>
+                <a:r>
+                  <a:rPr lang="en-GB">
+                    <a:noFill/>
+                  </a:rPr>
+                  <a:t> </a:t>
+                </a:r>
+              </a:p>
+            </p:txBody>
+          </p:sp>
+        </mc:Fallback>
+      </mc:AlternateContent>
       <p:sp>
         <p:nvSpPr>
           <p:cNvPr id="375" name="Freeform: Shape 374">
